--- a/documents/projectmanagement/Allgemeines/Guidelines/Qualitätssicherungsmaßnahmen.pptx
+++ b/documents/projectmanagement/Allgemeines/Guidelines/Qualitätssicherungsmaßnahmen.pptx
@@ -115,6 +115,11 @@
       </a:defRPr>
     </a:lvl9pPr>
   </p:defaultTextStyle>
+  <p:extLst>
+    <p:ext uri="{EFAFB233-063F-42B5-8137-9DF3F51BA10A}">
+      <p15:sldGuideLst xmlns:p15="http://schemas.microsoft.com/office/powerpoint/2012/main"/>
+    </p:ext>
+  </p:extLst>
 </p:presentation>
 </file>
 
@@ -4302,9 +4307,9 @@
     </dgm:pt>
   </dgm:ptLst>
   <dgm:cxnLst>
-    <dgm:cxn modelId="{B4187055-7FA9-4440-A2A4-C07F985C75C6}" type="presOf" srcId="{13D12C02-0DA3-45EB-A8B5-DF4D26AFC87C}" destId="{A3C3697A-703A-4B21-99F1-64AF3B4B5C0A}" srcOrd="0" destOrd="2" presId="urn:microsoft.com/office/officeart/2005/8/layout/hProcess11"/>
     <dgm:cxn modelId="{6B7FD1C2-67BF-4E97-A3D4-B4653ABB0BBE}" type="presOf" srcId="{61727A1D-E086-4186-ADDD-DEF6721DDE16}" destId="{15D0735F-1BB5-4D26-83AA-A1B991259283}" srcOrd="0" destOrd="1" presId="urn:microsoft.com/office/officeart/2005/8/layout/hProcess11"/>
     <dgm:cxn modelId="{CDD21358-6120-4299-9FD5-00E5A4297E70}" srcId="{CA2598F4-3364-4651-9BFF-D1B31881A524}" destId="{8338D35C-EA53-47AB-AE13-97663EC0E42E}" srcOrd="4" destOrd="0" parTransId="{23CA2756-8AAD-4C90-8301-549F9308BFE6}" sibTransId="{211634B6-268F-40A2-AED6-A0B77D79E528}"/>
+    <dgm:cxn modelId="{B4187055-7FA9-4440-A2A4-C07F985C75C6}" type="presOf" srcId="{13D12C02-0DA3-45EB-A8B5-DF4D26AFC87C}" destId="{A3C3697A-703A-4B21-99F1-64AF3B4B5C0A}" srcOrd="0" destOrd="2" presId="urn:microsoft.com/office/officeart/2005/8/layout/hProcess11"/>
     <dgm:cxn modelId="{4B3A6A54-B5F3-43A5-AD93-099E8F684620}" srcId="{D3444DD4-8BCF-45C1-AB02-B757D3310DB6}" destId="{13D12C02-0DA3-45EB-A8B5-DF4D26AFC87C}" srcOrd="1" destOrd="0" parTransId="{784419F0-152C-41BD-BF9D-C387C5653CE7}" sibTransId="{E9262745-3671-446C-A7A7-99B25E10EE89}"/>
     <dgm:cxn modelId="{C250822D-94B4-4FB3-8444-34DD79B85249}" srcId="{CA2598F4-3364-4651-9BFF-D1B31881A524}" destId="{D3444DD4-8BCF-45C1-AB02-B757D3310DB6}" srcOrd="5" destOrd="0" parTransId="{658DEEAB-B584-4ACE-BFDE-78743175A6AC}" sibTransId="{9A55EC74-BE89-4EB2-889D-61B01EB47787}"/>
     <dgm:cxn modelId="{DE3F989A-DC2D-4206-B15E-CD9D76FEC9A3}" srcId="{1038F2C9-8DC8-4D55-BCC4-FD6B1262E8C2}" destId="{02821817-0FE5-4541-AA8D-A4BED280E618}" srcOrd="0" destOrd="0" parTransId="{C6373D41-2D67-42F4-A925-A48373F0262A}" sibTransId="{B6C0C640-3FE8-4BB1-968A-9C78C0795C99}"/>
@@ -4536,17 +4541,17 @@
     </dgm:pt>
   </dgm:ptLst>
   <dgm:cxnLst>
+    <dgm:cxn modelId="{4C22F6ED-2EAA-4116-80C8-5A398A1DD470}" type="presOf" srcId="{9CDB8CDB-2AF6-4082-A5C3-B0C18BDED2EF}" destId="{C193981B-0846-4B69-9CFC-B253E8347EC1}" srcOrd="0" destOrd="0" presId="urn:microsoft.com/office/officeart/2005/8/layout/process2"/>
+    <dgm:cxn modelId="{2B8F1B5A-026F-47AC-9056-627A9F98A4C6}" type="presOf" srcId="{2D00C2E7-2375-4790-AF9A-6364032CF700}" destId="{F650B593-A0DA-47A5-BCE1-AB438AC081C0}" srcOrd="0" destOrd="0" presId="urn:microsoft.com/office/officeart/2005/8/layout/process2"/>
+    <dgm:cxn modelId="{B3F9186D-081C-4DA8-80B8-AC5AD3497074}" type="presOf" srcId="{E7320158-10C3-4904-8BFC-C1B9A75E0F83}" destId="{329BDD71-7E56-4C42-BD0E-DE86F98F7F9E}" srcOrd="0" destOrd="0" presId="urn:microsoft.com/office/officeart/2005/8/layout/process2"/>
+    <dgm:cxn modelId="{45736B9A-201D-4A63-9D56-0C6A37DBEA75}" type="presOf" srcId="{0EAB2BF6-9D69-4ADA-9732-382200873ACA}" destId="{97B2321E-C463-4C31-8EA5-542534BF870D}" srcOrd="0" destOrd="0" presId="urn:microsoft.com/office/officeart/2005/8/layout/process2"/>
+    <dgm:cxn modelId="{04B02D00-9601-40C2-8A69-80F9E0E33958}" srcId="{3A94D007-B472-49D9-A5BA-05FFA1BFEFD6}" destId="{E7320158-10C3-4904-8BFC-C1B9A75E0F83}" srcOrd="0" destOrd="0" parTransId="{4807F33E-8DF1-4D9A-AE9B-EEB3F1E468FA}" sibTransId="{9CDB8CDB-2AF6-4082-A5C3-B0C18BDED2EF}"/>
+    <dgm:cxn modelId="{9CF9C8A2-2F0C-4457-A285-59000BAF86E2}" srcId="{3A94D007-B472-49D9-A5BA-05FFA1BFEFD6}" destId="{26C86FC3-9013-48B2-87EE-1076B6FB0C76}" srcOrd="1" destOrd="0" parTransId="{E1C4DCF6-D8B7-42F8-8C5E-1F804BB5A094}" sibTransId="{0EAB2BF6-9D69-4ADA-9732-382200873ACA}"/>
+    <dgm:cxn modelId="{5124F0EF-B232-4BAA-A2FA-E07DC980496E}" type="presOf" srcId="{0EAB2BF6-9D69-4ADA-9732-382200873ACA}" destId="{9152860C-2CA5-41BE-9D9A-03EB5767F005}" srcOrd="1" destOrd="0" presId="urn:microsoft.com/office/officeart/2005/8/layout/process2"/>
     <dgm:cxn modelId="{96B2ADB0-C2B6-43FF-857F-95C0A54DA186}" type="presOf" srcId="{9CDB8CDB-2AF6-4082-A5C3-B0C18BDED2EF}" destId="{AAAD1E20-B881-4334-A3E9-E46658F8C7E0}" srcOrd="1" destOrd="0" presId="urn:microsoft.com/office/officeart/2005/8/layout/process2"/>
-    <dgm:cxn modelId="{9CF9C8A2-2F0C-4457-A285-59000BAF86E2}" srcId="{3A94D007-B472-49D9-A5BA-05FFA1BFEFD6}" destId="{26C86FC3-9013-48B2-87EE-1076B6FB0C76}" srcOrd="1" destOrd="0" parTransId="{E1C4DCF6-D8B7-42F8-8C5E-1F804BB5A094}" sibTransId="{0EAB2BF6-9D69-4ADA-9732-382200873ACA}"/>
-    <dgm:cxn modelId="{2B8F1B5A-026F-47AC-9056-627A9F98A4C6}" type="presOf" srcId="{2D00C2E7-2375-4790-AF9A-6364032CF700}" destId="{F650B593-A0DA-47A5-BCE1-AB438AC081C0}" srcOrd="0" destOrd="0" presId="urn:microsoft.com/office/officeart/2005/8/layout/process2"/>
+    <dgm:cxn modelId="{47C2F66A-D642-46A5-A364-103A306B6D22}" srcId="{3A94D007-B472-49D9-A5BA-05FFA1BFEFD6}" destId="{2D00C2E7-2375-4790-AF9A-6364032CF700}" srcOrd="2" destOrd="0" parTransId="{6AE8CF1D-4DF1-4CAC-983F-AB2286AB258D}" sibTransId="{AD4FE8B6-320F-4DCD-9E51-C12A84545476}"/>
+    <dgm:cxn modelId="{0CE358B0-1B95-42D4-AB03-A602700AD98A}" type="presOf" srcId="{3A94D007-B472-49D9-A5BA-05FFA1BFEFD6}" destId="{4BC0AD9C-9FD2-4698-BF4F-CD6834E92428}" srcOrd="0" destOrd="0" presId="urn:microsoft.com/office/officeart/2005/8/layout/process2"/>
     <dgm:cxn modelId="{3EFF1AD5-1078-42E6-B3EA-D7EB9D19354A}" type="presOf" srcId="{26C86FC3-9013-48B2-87EE-1076B6FB0C76}" destId="{D02048BC-8533-48D5-BDBA-5BA8B9C91FFC}" srcOrd="0" destOrd="0" presId="urn:microsoft.com/office/officeart/2005/8/layout/process2"/>
-    <dgm:cxn modelId="{47C2F66A-D642-46A5-A364-103A306B6D22}" srcId="{3A94D007-B472-49D9-A5BA-05FFA1BFEFD6}" destId="{2D00C2E7-2375-4790-AF9A-6364032CF700}" srcOrd="2" destOrd="0" parTransId="{6AE8CF1D-4DF1-4CAC-983F-AB2286AB258D}" sibTransId="{AD4FE8B6-320F-4DCD-9E51-C12A84545476}"/>
-    <dgm:cxn modelId="{4C22F6ED-2EAA-4116-80C8-5A398A1DD470}" type="presOf" srcId="{9CDB8CDB-2AF6-4082-A5C3-B0C18BDED2EF}" destId="{C193981B-0846-4B69-9CFC-B253E8347EC1}" srcOrd="0" destOrd="0" presId="urn:microsoft.com/office/officeart/2005/8/layout/process2"/>
-    <dgm:cxn modelId="{45736B9A-201D-4A63-9D56-0C6A37DBEA75}" type="presOf" srcId="{0EAB2BF6-9D69-4ADA-9732-382200873ACA}" destId="{97B2321E-C463-4C31-8EA5-542534BF870D}" srcOrd="0" destOrd="0" presId="urn:microsoft.com/office/officeart/2005/8/layout/process2"/>
-    <dgm:cxn modelId="{B3F9186D-081C-4DA8-80B8-AC5AD3497074}" type="presOf" srcId="{E7320158-10C3-4904-8BFC-C1B9A75E0F83}" destId="{329BDD71-7E56-4C42-BD0E-DE86F98F7F9E}" srcOrd="0" destOrd="0" presId="urn:microsoft.com/office/officeart/2005/8/layout/process2"/>
-    <dgm:cxn modelId="{04B02D00-9601-40C2-8A69-80F9E0E33958}" srcId="{3A94D007-B472-49D9-A5BA-05FFA1BFEFD6}" destId="{E7320158-10C3-4904-8BFC-C1B9A75E0F83}" srcOrd="0" destOrd="0" parTransId="{4807F33E-8DF1-4D9A-AE9B-EEB3F1E468FA}" sibTransId="{9CDB8CDB-2AF6-4082-A5C3-B0C18BDED2EF}"/>
-    <dgm:cxn modelId="{5124F0EF-B232-4BAA-A2FA-E07DC980496E}" type="presOf" srcId="{0EAB2BF6-9D69-4ADA-9732-382200873ACA}" destId="{9152860C-2CA5-41BE-9D9A-03EB5767F005}" srcOrd="1" destOrd="0" presId="urn:microsoft.com/office/officeart/2005/8/layout/process2"/>
-    <dgm:cxn modelId="{0CE358B0-1B95-42D4-AB03-A602700AD98A}" type="presOf" srcId="{3A94D007-B472-49D9-A5BA-05FFA1BFEFD6}" destId="{4BC0AD9C-9FD2-4698-BF4F-CD6834E92428}" srcOrd="0" destOrd="0" presId="urn:microsoft.com/office/officeart/2005/8/layout/process2"/>
     <dgm:cxn modelId="{ED53DC0B-3784-4E97-BE0F-21A5BF86C4AC}" type="presParOf" srcId="{4BC0AD9C-9FD2-4698-BF4F-CD6834E92428}" destId="{329BDD71-7E56-4C42-BD0E-DE86F98F7F9E}" srcOrd="0" destOrd="0" presId="urn:microsoft.com/office/officeart/2005/8/layout/process2"/>
     <dgm:cxn modelId="{3384A2D6-7649-4469-B2D8-115E33120615}" type="presParOf" srcId="{4BC0AD9C-9FD2-4698-BF4F-CD6834E92428}" destId="{C193981B-0846-4B69-9CFC-B253E8347EC1}" srcOrd="1" destOrd="0" presId="urn:microsoft.com/office/officeart/2005/8/layout/process2"/>
     <dgm:cxn modelId="{F758EFD8-010E-4DBB-83C9-7BDDCA4F7F96}" type="presParOf" srcId="{C193981B-0846-4B69-9CFC-B253E8347EC1}" destId="{AAAD1E20-B881-4334-A3E9-E46658F8C7E0}" srcOrd="0" destOrd="0" presId="urn:microsoft.com/office/officeart/2005/8/layout/process2"/>
@@ -13647,7 +13652,6 @@
               <a:rPr lang="de-DE"/>
               <a:t>Titelmasterformat durch Klicken bearbeiten</a:t>
             </a:r>
-            <a:endParaRPr lang="de-DE"/>
           </a:p>
         </p:txBody>
       </p:sp>
@@ -13712,7 +13716,6 @@
               <a:rPr lang="de-DE"/>
               <a:t>Formatvorlage des Untertitelmasters durch Klicken bearbeiten</a:t>
             </a:r>
-            <a:endParaRPr lang="de-DE"/>
           </a:p>
         </p:txBody>
       </p:sp>
@@ -13733,7 +13736,7 @@
           <a:p>
             <a:fld id="{86AB6AEC-D2F3-438C-AC22-02CAC5C3D482}" type="datetimeFigureOut">
               <a:rPr lang="de-DE" smtClean="0"/>
-              <a:t>23.07.2016</a:t>
+              <a:t>26.07.2016</a:t>
             </a:fld>
             <a:endParaRPr lang="de-DE"/>
           </a:p>
@@ -13830,7 +13833,6 @@
               <a:rPr lang="de-DE"/>
               <a:t>Titelmasterformat durch Klicken bearbeiten</a:t>
             </a:r>
-            <a:endParaRPr lang="de-DE"/>
           </a:p>
         </p:txBody>
       </p:sp>
@@ -13882,7 +13884,6 @@
               <a:rPr lang="de-DE"/>
               <a:t>Fünfte Ebene</a:t>
             </a:r>
-            <a:endParaRPr lang="de-DE"/>
           </a:p>
         </p:txBody>
       </p:sp>
@@ -13903,7 +13904,7 @@
           <a:p>
             <a:fld id="{86AB6AEC-D2F3-438C-AC22-02CAC5C3D482}" type="datetimeFigureOut">
               <a:rPr lang="de-DE" smtClean="0"/>
-              <a:t>23.07.2016</a:t>
+              <a:t>26.07.2016</a:t>
             </a:fld>
             <a:endParaRPr lang="de-DE"/>
           </a:p>
@@ -14005,7 +14006,6 @@
               <a:rPr lang="de-DE"/>
               <a:t>Titelmasterformat durch Klicken bearbeiten</a:t>
             </a:r>
-            <a:endParaRPr lang="de-DE"/>
           </a:p>
         </p:txBody>
       </p:sp>
@@ -14062,7 +14062,6 @@
               <a:rPr lang="de-DE"/>
               <a:t>Fünfte Ebene</a:t>
             </a:r>
-            <a:endParaRPr lang="de-DE"/>
           </a:p>
         </p:txBody>
       </p:sp>
@@ -14083,7 +14082,7 @@
           <a:p>
             <a:fld id="{86AB6AEC-D2F3-438C-AC22-02CAC5C3D482}" type="datetimeFigureOut">
               <a:rPr lang="de-DE" smtClean="0"/>
-              <a:t>23.07.2016</a:t>
+              <a:t>26.07.2016</a:t>
             </a:fld>
             <a:endParaRPr lang="de-DE"/>
           </a:p>
@@ -14180,7 +14179,6 @@
               <a:rPr lang="de-DE"/>
               <a:t>Titelmasterformat durch Klicken bearbeiten</a:t>
             </a:r>
-            <a:endParaRPr lang="de-DE"/>
           </a:p>
         </p:txBody>
       </p:sp>
@@ -14232,7 +14230,6 @@
               <a:rPr lang="de-DE"/>
               <a:t>Fünfte Ebene</a:t>
             </a:r>
-            <a:endParaRPr lang="de-DE"/>
           </a:p>
         </p:txBody>
       </p:sp>
@@ -14253,7 +14250,7 @@
           <a:p>
             <a:fld id="{86AB6AEC-D2F3-438C-AC22-02CAC5C3D482}" type="datetimeFigureOut">
               <a:rPr lang="de-DE" smtClean="0"/>
-              <a:t>23.07.2016</a:t>
+              <a:t>26.07.2016</a:t>
             </a:fld>
             <a:endParaRPr lang="de-DE"/>
           </a:p>
@@ -14359,7 +14356,6 @@
               <a:rPr lang="de-DE"/>
               <a:t>Titelmasterformat durch Klicken bearbeiten</a:t>
             </a:r>
-            <a:endParaRPr lang="de-DE"/>
           </a:p>
         </p:txBody>
       </p:sp>
@@ -14499,7 +14495,7 @@
           <a:p>
             <a:fld id="{86AB6AEC-D2F3-438C-AC22-02CAC5C3D482}" type="datetimeFigureOut">
               <a:rPr lang="de-DE" smtClean="0"/>
-              <a:t>23.07.2016</a:t>
+              <a:t>26.07.2016</a:t>
             </a:fld>
             <a:endParaRPr lang="de-DE"/>
           </a:p>
@@ -14596,7 +14592,6 @@
               <a:rPr lang="de-DE"/>
               <a:t>Titelmasterformat durch Klicken bearbeiten</a:t>
             </a:r>
-            <a:endParaRPr lang="de-DE"/>
           </a:p>
         </p:txBody>
       </p:sp>
@@ -14653,7 +14648,6 @@
               <a:rPr lang="de-DE"/>
               <a:t>Fünfte Ebene</a:t>
             </a:r>
-            <a:endParaRPr lang="de-DE"/>
           </a:p>
         </p:txBody>
       </p:sp>
@@ -14710,7 +14704,6 @@
               <a:rPr lang="de-DE"/>
               <a:t>Fünfte Ebene</a:t>
             </a:r>
-            <a:endParaRPr lang="de-DE"/>
           </a:p>
         </p:txBody>
       </p:sp>
@@ -14731,7 +14724,7 @@
           <a:p>
             <a:fld id="{86AB6AEC-D2F3-438C-AC22-02CAC5C3D482}" type="datetimeFigureOut">
               <a:rPr lang="de-DE" smtClean="0"/>
-              <a:t>23.07.2016</a:t>
+              <a:t>26.07.2016</a:t>
             </a:fld>
             <a:endParaRPr lang="de-DE"/>
           </a:p>
@@ -14833,7 +14826,6 @@
               <a:rPr lang="de-DE"/>
               <a:t>Titelmasterformat durch Klicken bearbeiten</a:t>
             </a:r>
-            <a:endParaRPr lang="de-DE"/>
           </a:p>
         </p:txBody>
       </p:sp>
@@ -14955,7 +14947,6 @@
               <a:rPr lang="de-DE"/>
               <a:t>Fünfte Ebene</a:t>
             </a:r>
-            <a:endParaRPr lang="de-DE"/>
           </a:p>
         </p:txBody>
       </p:sp>
@@ -15077,7 +15068,6 @@
               <a:rPr lang="de-DE"/>
               <a:t>Fünfte Ebene</a:t>
             </a:r>
-            <a:endParaRPr lang="de-DE"/>
           </a:p>
         </p:txBody>
       </p:sp>
@@ -15098,7 +15088,7 @@
           <a:p>
             <a:fld id="{86AB6AEC-D2F3-438C-AC22-02CAC5C3D482}" type="datetimeFigureOut">
               <a:rPr lang="de-DE" smtClean="0"/>
-              <a:t>23.07.2016</a:t>
+              <a:t>26.07.2016</a:t>
             </a:fld>
             <a:endParaRPr lang="de-DE"/>
           </a:p>
@@ -15195,7 +15185,6 @@
               <a:rPr lang="de-DE"/>
               <a:t>Titelmasterformat durch Klicken bearbeiten</a:t>
             </a:r>
-            <a:endParaRPr lang="de-DE"/>
           </a:p>
         </p:txBody>
       </p:sp>
@@ -15216,7 +15205,7 @@
           <a:p>
             <a:fld id="{86AB6AEC-D2F3-438C-AC22-02CAC5C3D482}" type="datetimeFigureOut">
               <a:rPr lang="de-DE" smtClean="0"/>
-              <a:t>23.07.2016</a:t>
+              <a:t>26.07.2016</a:t>
             </a:fld>
             <a:endParaRPr lang="de-DE"/>
           </a:p>
@@ -15311,7 +15300,7 @@
           <a:p>
             <a:fld id="{86AB6AEC-D2F3-438C-AC22-02CAC5C3D482}" type="datetimeFigureOut">
               <a:rPr lang="de-DE" smtClean="0"/>
-              <a:t>23.07.2016</a:t>
+              <a:t>26.07.2016</a:t>
             </a:fld>
             <a:endParaRPr lang="de-DE"/>
           </a:p>
@@ -15417,7 +15406,6 @@
               <a:rPr lang="de-DE"/>
               <a:t>Titelmasterformat durch Klicken bearbeiten</a:t>
             </a:r>
-            <a:endParaRPr lang="de-DE"/>
           </a:p>
         </p:txBody>
       </p:sp>
@@ -15502,7 +15490,6 @@
               <a:rPr lang="de-DE"/>
               <a:t>Fünfte Ebene</a:t>
             </a:r>
-            <a:endParaRPr lang="de-DE"/>
           </a:p>
         </p:txBody>
       </p:sp>
@@ -15588,7 +15575,7 @@
           <a:p>
             <a:fld id="{86AB6AEC-D2F3-438C-AC22-02CAC5C3D482}" type="datetimeFigureOut">
               <a:rPr lang="de-DE" smtClean="0"/>
-              <a:t>23.07.2016</a:t>
+              <a:t>26.07.2016</a:t>
             </a:fld>
             <a:endParaRPr lang="de-DE"/>
           </a:p>
@@ -15694,7 +15681,6 @@
               <a:rPr lang="de-DE"/>
               <a:t>Titelmasterformat durch Klicken bearbeiten</a:t>
             </a:r>
-            <a:endParaRPr lang="de-DE"/>
           </a:p>
         </p:txBody>
       </p:sp>
@@ -15841,7 +15827,7 @@
           <a:p>
             <a:fld id="{86AB6AEC-D2F3-438C-AC22-02CAC5C3D482}" type="datetimeFigureOut">
               <a:rPr lang="de-DE" smtClean="0"/>
-              <a:t>23.07.2016</a:t>
+              <a:t>26.07.2016</a:t>
             </a:fld>
             <a:endParaRPr lang="de-DE"/>
           </a:p>
@@ -15953,7 +15939,6 @@
               <a:rPr lang="de-DE"/>
               <a:t>Titelmasterformat durch Klicken bearbeiten</a:t>
             </a:r>
-            <a:endParaRPr lang="de-DE"/>
           </a:p>
         </p:txBody>
       </p:sp>
@@ -16015,7 +16000,6 @@
               <a:rPr lang="de-DE"/>
               <a:t>Fünfte Ebene</a:t>
             </a:r>
-            <a:endParaRPr lang="de-DE"/>
           </a:p>
         </p:txBody>
       </p:sp>
@@ -16054,7 +16038,7 @@
           <a:p>
             <a:fld id="{86AB6AEC-D2F3-438C-AC22-02CAC5C3D482}" type="datetimeFigureOut">
               <a:rPr lang="de-DE" smtClean="0"/>
-              <a:t>23.07.2016</a:t>
+              <a:t>26.07.2016</a:t>
             </a:fld>
             <a:endParaRPr lang="de-DE"/>
           </a:p>
